--- a/presentations/6_linear_regression/Linear_regression.pptx
+++ b/presentations/6_linear_regression/Linear_regression.pptx
@@ -234,7 +234,7 @@
           <a:p>
             <a:fld id="{2793983C-EFA1-41D2-8DCF-4CEF34100D6A}" type="datetimeFigureOut">
               <a:rPr lang="en-US" smtClean="0"/>
-              <a:t>3/8/2016</a:t>
+              <a:t>3/10/2017</a:t>
             </a:fld>
             <a:endParaRPr lang="en-US"/>
           </a:p>
@@ -1462,11 +1462,7 @@
             </a:r>
             <a:r>
               <a:rPr lang="en-US" dirty="0" smtClean="0"/>
-              <a:t>: </a:t>
-            </a:r>
-            <a:r>
-              <a:rPr lang="en-US" dirty="0" smtClean="0"/>
-              <a:t>An observation with an extreme value on a predictor variable is a point with high leverage.  Leverage is a measure of how far an independent variable deviates from its mean.  High leverage points can have a great amount of effect on the estimate of regression coefficients</a:t>
+              <a:t>: An observation with an extreme value on a predictor variable is a point with high leverage.  Leverage is a measure of how far an independent variable deviates from its mean.  High leverage points can have a great amount of effect on the estimate of regression coefficients</a:t>
             </a:r>
             <a:r>
               <a:rPr lang="en-US" baseline="0" dirty="0" smtClean="0"/>
@@ -3208,7 +3204,7 @@
           <a:p>
             <a:fld id="{97CFF939-70E9-4E47-9899-4E3DA2789027}" type="datetimeFigureOut">
               <a:rPr lang="en-US" smtClean="0"/>
-              <a:t>3/8/2016</a:t>
+              <a:t>3/10/2017</a:t>
             </a:fld>
             <a:endParaRPr lang="en-US"/>
           </a:p>
@@ -3400,7 +3396,7 @@
           <a:p>
             <a:fld id="{97CFF939-70E9-4E47-9899-4E3DA2789027}" type="datetimeFigureOut">
               <a:rPr lang="en-US" smtClean="0"/>
-              <a:t>3/8/2016</a:t>
+              <a:t>3/10/2017</a:t>
             </a:fld>
             <a:endParaRPr lang="en-US"/>
           </a:p>
@@ -3580,7 +3576,7 @@
           <a:p>
             <a:fld id="{97CFF939-70E9-4E47-9899-4E3DA2789027}" type="datetimeFigureOut">
               <a:rPr lang="en-US" smtClean="0"/>
-              <a:t>3/8/2016</a:t>
+              <a:t>3/10/2017</a:t>
             </a:fld>
             <a:endParaRPr lang="en-US"/>
           </a:p>
@@ -3750,7 +3746,7 @@
           <a:p>
             <a:fld id="{97CFF939-70E9-4E47-9899-4E3DA2789027}" type="datetimeFigureOut">
               <a:rPr lang="en-US" smtClean="0"/>
-              <a:t>3/8/2016</a:t>
+              <a:t>3/10/2017</a:t>
             </a:fld>
             <a:endParaRPr lang="en-US"/>
           </a:p>
@@ -4004,7 +4000,7 @@
           <a:p>
             <a:fld id="{97CFF939-70E9-4E47-9899-4E3DA2789027}" type="datetimeFigureOut">
               <a:rPr lang="en-US" smtClean="0"/>
-              <a:t>3/8/2016</a:t>
+              <a:t>3/10/2017</a:t>
             </a:fld>
             <a:endParaRPr lang="en-US"/>
           </a:p>
@@ -4330,7 +4326,7 @@
           <a:p>
             <a:fld id="{97CFF939-70E9-4E47-9899-4E3DA2789027}" type="datetimeFigureOut">
               <a:rPr lang="en-US" smtClean="0"/>
-              <a:t>3/8/2016</a:t>
+              <a:t>3/10/2017</a:t>
             </a:fld>
             <a:endParaRPr lang="en-US"/>
           </a:p>
@@ -4750,7 +4746,7 @@
           <a:p>
             <a:fld id="{97CFF939-70E9-4E47-9899-4E3DA2789027}" type="datetimeFigureOut">
               <a:rPr lang="en-US" smtClean="0"/>
-              <a:t>3/8/2016</a:t>
+              <a:t>3/10/2017</a:t>
             </a:fld>
             <a:endParaRPr lang="en-US"/>
           </a:p>
@@ -4868,7 +4864,7 @@
           <a:p>
             <a:fld id="{97CFF939-70E9-4E47-9899-4E3DA2789027}" type="datetimeFigureOut">
               <a:rPr lang="en-US" smtClean="0"/>
-              <a:t>3/8/2016</a:t>
+              <a:t>3/10/2017</a:t>
             </a:fld>
             <a:endParaRPr lang="en-US"/>
           </a:p>
@@ -4963,7 +4959,7 @@
           <a:p>
             <a:fld id="{97CFF939-70E9-4E47-9899-4E3DA2789027}" type="datetimeFigureOut">
               <a:rPr lang="en-US" smtClean="0"/>
-              <a:t>3/8/2016</a:t>
+              <a:t>3/10/2017</a:t>
             </a:fld>
             <a:endParaRPr lang="en-US"/>
           </a:p>
@@ -5250,7 +5246,7 @@
           <a:p>
             <a:fld id="{97CFF939-70E9-4E47-9899-4E3DA2789027}" type="datetimeFigureOut">
               <a:rPr lang="en-US" smtClean="0"/>
-              <a:t>3/8/2016</a:t>
+              <a:t>3/10/2017</a:t>
             </a:fld>
             <a:endParaRPr lang="en-US"/>
           </a:p>
@@ -5572,7 +5568,7 @@
           <a:p>
             <a:fld id="{97CFF939-70E9-4E47-9899-4E3DA2789027}" type="datetimeFigureOut">
               <a:rPr lang="en-US" smtClean="0"/>
-              <a:t>3/8/2016</a:t>
+              <a:t>3/10/2017</a:t>
             </a:fld>
             <a:endParaRPr lang="en-US"/>
           </a:p>
@@ -5826,7 +5822,7 @@
           <a:p>
             <a:fld id="{97CFF939-70E9-4E47-9899-4E3DA2789027}" type="datetimeFigureOut">
               <a:rPr lang="en-US" smtClean="0"/>
-              <a:t>3/8/2016</a:t>
+              <a:t>3/10/2017</a:t>
             </a:fld>
             <a:endParaRPr lang="en-US"/>
           </a:p>
@@ -9008,14 +9004,14 @@
           </p:nvPr>
         </p:nvPicPr>
         <p:blipFill rotWithShape="1">
-          <a:blip r:embed="rId2">
+          <a:blip r:embed="rId2" cstate="screen">
             <a:extLst>
               <a:ext uri="{28A0092B-C50C-407E-A947-70E740481C1C}">
-                <a14:useLocalDpi xmlns:a14="http://schemas.microsoft.com/office/drawing/2010/main" val="0"/>
+                <a14:useLocalDpi xmlns:a14="http://schemas.microsoft.com/office/drawing/2010/main"/>
               </a:ext>
             </a:extLst>
           </a:blip>
-          <a:srcRect t="5971" r="1025" b="1492"/>
+          <a:srcRect/>
           <a:stretch/>
         </p:blipFill>
         <p:spPr>
@@ -9094,14 +9090,14 @@
           <p:nvPr/>
         </p:nvPicPr>
         <p:blipFill rotWithShape="1">
-          <a:blip r:embed="rId3">
+          <a:blip r:embed="rId3" cstate="screen">
             <a:extLst>
               <a:ext uri="{28A0092B-C50C-407E-A947-70E740481C1C}">
-                <a14:useLocalDpi xmlns:a14="http://schemas.microsoft.com/office/drawing/2010/main" val="0"/>
+                <a14:useLocalDpi xmlns:a14="http://schemas.microsoft.com/office/drawing/2010/main"/>
               </a:ext>
             </a:extLst>
           </a:blip>
-          <a:srcRect t="9066" r="2445" b="3221"/>
+          <a:srcRect/>
           <a:stretch/>
         </p:blipFill>
         <p:spPr>
@@ -9123,14 +9119,14 @@
           <p:nvPr/>
         </p:nvPicPr>
         <p:blipFill rotWithShape="1">
-          <a:blip r:embed="rId4">
+          <a:blip r:embed="rId4" cstate="screen">
             <a:extLst>
               <a:ext uri="{28A0092B-C50C-407E-A947-70E740481C1C}">
-                <a14:useLocalDpi xmlns:a14="http://schemas.microsoft.com/office/drawing/2010/main" val="0"/>
+                <a14:useLocalDpi xmlns:a14="http://schemas.microsoft.com/office/drawing/2010/main"/>
               </a:ext>
             </a:extLst>
           </a:blip>
-          <a:srcRect l="50166" t="13583" r="3833" b="4417"/>
+          <a:srcRect/>
           <a:stretch/>
         </p:blipFill>
         <p:spPr bwMode="auto">
@@ -9333,14 +9329,14 @@
           <p:nvPr/>
         </p:nvPicPr>
         <p:blipFill rotWithShape="1">
-          <a:blip r:embed="rId3">
+          <a:blip r:embed="rId3" cstate="screen">
             <a:extLst>
               <a:ext uri="{28A0092B-C50C-407E-A947-70E740481C1C}">
-                <a14:useLocalDpi xmlns:a14="http://schemas.microsoft.com/office/drawing/2010/main" val="0"/>
+                <a14:useLocalDpi xmlns:a14="http://schemas.microsoft.com/office/drawing/2010/main"/>
               </a:ext>
             </a:extLst>
           </a:blip>
-          <a:srcRect t="8950" r="3333" b="3884"/>
+          <a:srcRect/>
           <a:stretch/>
         </p:blipFill>
         <p:spPr>
@@ -9422,14 +9418,14 @@
           <p:nvPr/>
         </p:nvPicPr>
         <p:blipFill rotWithShape="1">
-          <a:blip r:embed="rId3">
+          <a:blip r:embed="rId3" cstate="screen">
             <a:extLst>
               <a:ext uri="{28A0092B-C50C-407E-A947-70E740481C1C}">
-                <a14:useLocalDpi xmlns:a14="http://schemas.microsoft.com/office/drawing/2010/main" val="0"/>
+                <a14:useLocalDpi xmlns:a14="http://schemas.microsoft.com/office/drawing/2010/main"/>
               </a:ext>
             </a:extLst>
           </a:blip>
-          <a:srcRect t="8950" r="3333" b="2852"/>
+          <a:srcRect/>
           <a:stretch/>
         </p:blipFill>
         <p:spPr>
@@ -9511,14 +9507,14 @@
           <p:nvPr/>
         </p:nvPicPr>
         <p:blipFill rotWithShape="1">
-          <a:blip r:embed="rId3">
+          <a:blip r:embed="rId3" cstate="screen">
             <a:extLst>
               <a:ext uri="{28A0092B-C50C-407E-A947-70E740481C1C}">
-                <a14:useLocalDpi xmlns:a14="http://schemas.microsoft.com/office/drawing/2010/main" val="0"/>
+                <a14:useLocalDpi xmlns:a14="http://schemas.microsoft.com/office/drawing/2010/main"/>
               </a:ext>
             </a:extLst>
           </a:blip>
-          <a:srcRect t="8950" r="833" b="2964"/>
+          <a:srcRect/>
           <a:stretch/>
         </p:blipFill>
         <p:spPr>
@@ -10259,9 +10255,14 @@
           <p:nvPr/>
         </p:nvPicPr>
         <p:blipFill rotWithShape="1">
-          <a:blip r:embed="rId3">
+          <a:blip r:embed="rId3" cstate="screen">
             <a:grayscl/>
             <a:lum contrast="20000"/>
+            <a:extLst>
+              <a:ext uri="{28A0092B-C50C-407E-A947-70E740481C1C}">
+                <a14:useLocalDpi xmlns:a14="http://schemas.microsoft.com/office/drawing/2010/main"/>
+              </a:ext>
+            </a:extLst>
           </a:blip>
           <a:srcRect l="6562" r="9979" b="68041"/>
           <a:stretch/>
@@ -15354,7 +15355,7 @@
           <a:blip r:embed="rId3">
             <a:extLst>
               <a:ext uri="{28A0092B-C50C-407E-A947-70E740481C1C}">
-                <a14:useLocalDpi xmlns:a14="http://schemas.microsoft.com/office/drawing/2010/main" val="0"/>
+                <a14:useLocalDpi xmlns:a14="http://schemas.microsoft.com/office/drawing/2010/main"/>
               </a:ext>
             </a:extLst>
           </a:blip>
@@ -20037,8 +20038,14 @@
           <p:nvPr/>
         </p:nvPicPr>
         <p:blipFill rotWithShape="1">
-          <a:blip r:embed="rId2"/>
-          <a:srcRect l="25959" t="18599" r="22179" b="22497"/>
+          <a:blip r:embed="rId2" cstate="screen">
+            <a:extLst>
+              <a:ext uri="{28A0092B-C50C-407E-A947-70E740481C1C}">
+                <a14:useLocalDpi xmlns:a14="http://schemas.microsoft.com/office/drawing/2010/main"/>
+              </a:ext>
+            </a:extLst>
+          </a:blip>
+          <a:srcRect/>
           <a:stretch/>
         </p:blipFill>
         <p:spPr>
@@ -20107,7 +20114,13 @@
           <p:nvPr/>
         </p:nvPicPr>
         <p:blipFill rotWithShape="1">
-          <a:blip r:embed="rId3"/>
+          <a:blip r:embed="rId3" cstate="screen">
+            <a:extLst>
+              <a:ext uri="{28A0092B-C50C-407E-A947-70E740481C1C}">
+                <a14:useLocalDpi xmlns:a14="http://schemas.microsoft.com/office/drawing/2010/main"/>
+              </a:ext>
+            </a:extLst>
+          </a:blip>
           <a:srcRect b="4667"/>
           <a:stretch/>
         </p:blipFill>
